--- a/Корсуков Дмитрий Владимирович/Автоматизация основных аспектов оценки недвижимости.pptx
+++ b/Корсуков Дмитрий Владимирович/Автоматизация основных аспектов оценки недвижимости.pptx
@@ -15044,7 +15044,7 @@
         </p:blipFill>
         <p:spPr>
           <a:xfrm>
-            <a:off x="395536" y="548680"/>
+            <a:off x="395536" y="764704"/>
             <a:ext cx="8388424" cy="5753542"/>
           </a:xfrm>
           <a:prstGeom prst="rect">
@@ -15052,6 +15052,67 @@
           </a:prstGeom>
         </p:spPr>
       </p:pic>
+      <p:sp>
+        <p:nvSpPr>
+          <p:cNvPr id="3" name="Заголовок 1"/>
+          <p:cNvSpPr txBox="1">
+            <a:spLocks/>
+          </p:cNvSpPr>
+          <p:nvPr/>
+        </p:nvSpPr>
+        <p:spPr>
+          <a:xfrm>
+            <a:off x="474948" y="193204"/>
+            <a:ext cx="8229600" cy="571500"/>
+          </a:xfrm>
+          <a:prstGeom prst="rect">
+            <a:avLst/>
+          </a:prstGeom>
+        </p:spPr>
+        <p:txBody>
+          <a:bodyPr>
+            <a:normAutofit fontScale="82500" lnSpcReduction="20000"/>
+          </a:bodyPr>
+          <a:lstStyle>
+            <a:lvl1pPr marL="54864" algn="r" rtl="0" eaLnBrk="1" latinLnBrk="0" hangingPunct="1">
+              <a:spcBef>
+                <a:spcPct val="0"/>
+              </a:spcBef>
+              <a:buNone/>
+              <a:defRPr kumimoji="0" sz="4600" kern="1200">
+                <a:solidFill>
+                  <a:schemeClr val="tx2">
+                    <a:tint val="100000"/>
+                    <a:shade val="90000"/>
+                    <a:satMod val="250000"/>
+                    <a:alpha val="100000"/>
+                  </a:schemeClr>
+                </a:solidFill>
+                <a:effectLst>
+                  <a:outerShdw blurRad="38100" dist="25500" dir="5400000" algn="tl" rotWithShape="0">
+                    <a:srgbClr val="000000">
+                      <a:satMod val="180000"/>
+                      <a:alpha val="75000"/>
+                    </a:srgbClr>
+                  </a:outerShdw>
+                </a:effectLst>
+                <a:latin typeface="+mj-lt"/>
+                <a:ea typeface="+mj-ea"/>
+                <a:cs typeface="+mj-cs"/>
+              </a:defRPr>
+            </a:lvl1pPr>
+            <a:extLst/>
+          </a:lstStyle>
+          <a:p>
+            <a:pPr algn="ctr"/>
+            <a:r>
+              <a:rPr lang="ru-RU" dirty="0" smtClean="0"/>
+              <a:t>Различные языки системы</a:t>
+            </a:r>
+            <a:endParaRPr lang="ru-RU" dirty="0"/>
+          </a:p>
+        </p:txBody>
+      </p:sp>
     </p:spTree>
   </p:cSld>
   <p:clrMapOvr>
@@ -17088,7 +17149,15 @@
             </a:pPr>
             <a:r>
               <a:rPr lang="ru-RU" sz="2800" dirty="0" smtClean="0"/>
-              <a:t>Автоматическое определение расстояний до центров, при задаче адреса объекта.</a:t>
+              <a:t>Автоматическое определение расстояний до </a:t>
+            </a:r>
+            <a:r>
+              <a:rPr lang="ru-RU" sz="2800" dirty="0" smtClean="0"/>
+              <a:t>центров городов и станций метрополитена, при вводе </a:t>
+            </a:r>
+            <a:r>
+              <a:rPr lang="ru-RU" sz="2800" dirty="0" smtClean="0"/>
+              <a:t>адреса объекта.</a:t>
             </a:r>
           </a:p>
           <a:p>
@@ -17104,7 +17173,11 @@
             </a:pPr>
             <a:r>
               <a:rPr lang="ru-RU" sz="2800" dirty="0" smtClean="0"/>
-              <a:t>Разработка систем на основе созданной для рынков других стран.</a:t>
+              <a:t>Разработка </a:t>
+            </a:r>
+            <a:r>
+              <a:rPr lang="ru-RU" sz="2800" dirty="0" smtClean="0"/>
+              <a:t>систем на основе созданной для рынков других стран.</a:t>
             </a:r>
           </a:p>
           <a:p>
@@ -17837,8 +17910,8 @@
                 <a:t>Меню «</a:t>
               </a:r>
               <a:r>
-                <a:rPr lang="ru-RU" sz="1700" kern="1200" dirty="0" err="1" smtClean="0"/>
-                <a:t>Фаил</a:t>
+                <a:rPr lang="ru-RU" sz="1700" kern="1200" dirty="0" smtClean="0"/>
+                <a:t>Файл</a:t>
               </a:r>
               <a:r>
                 <a:rPr lang="ru-RU" sz="1700" kern="1200" dirty="0" smtClean="0"/>
